--- a/doc/progetto1.pptx
+++ b/doc/progetto1.pptx
@@ -12,7 +12,7 @@
     <p:sldId id="261" r:id="rId6"/>
     <p:sldId id="266" r:id="rId7"/>
     <p:sldId id="260" r:id="rId8"/>
-    <p:sldId id="267" r:id="rId9"/>
+    <p:sldId id="268" r:id="rId9"/>
     <p:sldId id="259" r:id="rId10"/>
     <p:sldId id="258" r:id="rId11"/>
   </p:sldIdLst>
@@ -321,7 +321,7 @@
           <a:p>
             <a:fld id="{5E53C210-82DF-416E-A094-661B57BE15FB}" type="datetimeFigureOut">
               <a:rPr lang="it-IT" smtClean="0"/>
-              <a:t>09/11/2018</a:t>
+              <a:t>16/11/2018</a:t>
             </a:fld>
             <a:endParaRPr lang="it-IT"/>
           </a:p>
@@ -511,7 +511,7 @@
           <a:p>
             <a:fld id="{5E53C210-82DF-416E-A094-661B57BE15FB}" type="datetimeFigureOut">
               <a:rPr lang="it-IT" smtClean="0"/>
-              <a:t>09/11/2018</a:t>
+              <a:t>16/11/2018</a:t>
             </a:fld>
             <a:endParaRPr lang="it-IT"/>
           </a:p>
@@ -691,7 +691,7 @@
           <a:p>
             <a:fld id="{5E53C210-82DF-416E-A094-661B57BE15FB}" type="datetimeFigureOut">
               <a:rPr lang="it-IT" smtClean="0"/>
-              <a:t>09/11/2018</a:t>
+              <a:t>16/11/2018</a:t>
             </a:fld>
             <a:endParaRPr lang="it-IT"/>
           </a:p>
@@ -861,7 +861,7 @@
           <a:p>
             <a:fld id="{5E53C210-82DF-416E-A094-661B57BE15FB}" type="datetimeFigureOut">
               <a:rPr lang="it-IT" smtClean="0"/>
-              <a:t>09/11/2018</a:t>
+              <a:t>16/11/2018</a:t>
             </a:fld>
             <a:endParaRPr lang="it-IT"/>
           </a:p>
@@ -1117,7 +1117,7 @@
           <a:p>
             <a:fld id="{5E53C210-82DF-416E-A094-661B57BE15FB}" type="datetimeFigureOut">
               <a:rPr lang="it-IT" smtClean="0"/>
-              <a:t>09/11/2018</a:t>
+              <a:t>16/11/2018</a:t>
             </a:fld>
             <a:endParaRPr lang="it-IT"/>
           </a:p>
@@ -1405,7 +1405,7 @@
           <a:p>
             <a:fld id="{5E53C210-82DF-416E-A094-661B57BE15FB}" type="datetimeFigureOut">
               <a:rPr lang="it-IT" smtClean="0"/>
-              <a:t>09/11/2018</a:t>
+              <a:t>16/11/2018</a:t>
             </a:fld>
             <a:endParaRPr lang="it-IT"/>
           </a:p>
@@ -1843,7 +1843,7 @@
           <a:p>
             <a:fld id="{5E53C210-82DF-416E-A094-661B57BE15FB}" type="datetimeFigureOut">
               <a:rPr lang="it-IT" smtClean="0"/>
-              <a:t>09/11/2018</a:t>
+              <a:t>16/11/2018</a:t>
             </a:fld>
             <a:endParaRPr lang="it-IT"/>
           </a:p>
@@ -1961,7 +1961,7 @@
           <a:p>
             <a:fld id="{5E53C210-82DF-416E-A094-661B57BE15FB}" type="datetimeFigureOut">
               <a:rPr lang="it-IT" smtClean="0"/>
-              <a:t>09/11/2018</a:t>
+              <a:t>16/11/2018</a:t>
             </a:fld>
             <a:endParaRPr lang="it-IT"/>
           </a:p>
@@ -2056,7 +2056,7 @@
           <a:p>
             <a:fld id="{5E53C210-82DF-416E-A094-661B57BE15FB}" type="datetimeFigureOut">
               <a:rPr lang="it-IT" smtClean="0"/>
-              <a:t>09/11/2018</a:t>
+              <a:t>16/11/2018</a:t>
             </a:fld>
             <a:endParaRPr lang="it-IT"/>
           </a:p>
@@ -2412,7 +2412,7 @@
           <a:p>
             <a:fld id="{5E53C210-82DF-416E-A094-661B57BE15FB}" type="datetimeFigureOut">
               <a:rPr lang="it-IT" smtClean="0"/>
-              <a:t>09/11/2018</a:t>
+              <a:t>16/11/2018</a:t>
             </a:fld>
             <a:endParaRPr lang="it-IT"/>
           </a:p>
@@ -2728,7 +2728,7 @@
           <a:p>
             <a:fld id="{5E53C210-82DF-416E-A094-661B57BE15FB}" type="datetimeFigureOut">
               <a:rPr lang="it-IT" smtClean="0"/>
-              <a:t>09/11/2018</a:t>
+              <a:t>16/11/2018</a:t>
             </a:fld>
             <a:endParaRPr lang="it-IT"/>
           </a:p>
@@ -2961,7 +2961,7 @@
           <a:p>
             <a:fld id="{5E53C210-82DF-416E-A094-661B57BE15FB}" type="datetimeFigureOut">
               <a:rPr lang="it-IT" smtClean="0"/>
-              <a:t>09/11/2018</a:t>
+              <a:t>16/11/2018</a:t>
             </a:fld>
             <a:endParaRPr lang="it-IT"/>
           </a:p>
@@ -5438,11 +5438,7 @@
             </a:pPr>
             <a:r>
               <a:rPr lang="it-IT" sz="2800" dirty="0" smtClean="0"/>
-              <a:t>Pagina </a:t>
-            </a:r>
-            <a:r>
-              <a:rPr lang="it-IT" sz="2800" dirty="0" smtClean="0"/>
-              <a:t>di registrazione</a:t>
+              <a:t>Pagina di registrazione</a:t>
             </a:r>
           </a:p>
           <a:p>
@@ -6580,7 +6576,7 @@
 </file>
 
 <file path=ppt/slides/slide8.xml><?xml version="1.0" encoding="utf-8"?>
-<p:sld xmlns:a="http://schemas.openxmlformats.org/drawingml/2006/main" xmlns:r="http://schemas.openxmlformats.org/officeDocument/2006/relationships" xmlns:p="http://schemas.openxmlformats.org/presentationml/2006/main" show="0">
+<p:sld xmlns:a="http://schemas.openxmlformats.org/drawingml/2006/main" xmlns:r="http://schemas.openxmlformats.org/officeDocument/2006/relationships" xmlns:p="http://schemas.openxmlformats.org/presentationml/2006/main">
   <p:cSld>
     <p:spTree>
       <p:nvGrpSpPr>
@@ -6598,7 +6594,7 @@
       </p:grpSpPr>
       <p:sp>
         <p:nvSpPr>
-          <p:cNvPr id="2" name="Titolo 1"/>
+          <p:cNvPr id="6" name="Titolo 1"/>
           <p:cNvSpPr>
             <a:spLocks noGrp="1"/>
           </p:cNvSpPr>
@@ -6606,7 +6602,12 @@
             <p:ph type="title"/>
           </p:nvPr>
         </p:nvSpPr>
-        <p:spPr/>
+        <p:spPr>
+          <a:xfrm>
+            <a:off x="657224" y="499533"/>
+            <a:ext cx="10772775" cy="1658198"/>
+          </a:xfrm>
+        </p:spPr>
         <p:txBody>
           <a:bodyPr>
             <a:normAutofit/>
@@ -6623,7 +6624,7 @@
       </p:sp>
       <p:pic>
         <p:nvPicPr>
-          <p:cNvPr id="4" name="Segnaposto contenuto 3"/>
+          <p:cNvPr id="7" name="Segnaposto contenuto 3"/>
           <p:cNvPicPr>
             <a:picLocks noGrp="1" noChangeAspect="1"/>
           </p:cNvPicPr>
@@ -6653,21 +6654,13 @@
     </p:spTree>
     <p:extLst>
       <p:ext uri="{BB962C8B-B14F-4D97-AF65-F5344CB8AC3E}">
-        <p14:creationId xmlns:p14="http://schemas.microsoft.com/office/powerpoint/2010/main" val="3999013276"/>
+        <p14:creationId xmlns:p14="http://schemas.microsoft.com/office/powerpoint/2010/main" val="787720255"/>
       </p:ext>
     </p:extLst>
   </p:cSld>
   <p:clrMapOvr>
     <a:masterClrMapping/>
   </p:clrMapOvr>
-  <mc:AlternateContent xmlns:mc="http://schemas.openxmlformats.org/markup-compatibility/2006">
-    <mc:Choice xmlns:p14="http://schemas.microsoft.com/office/powerpoint/2010/main" Requires="p14">
-      <p:transition spd="slow" p14:dur="2000"/>
-    </mc:Choice>
-    <mc:Fallback>
-      <p:transition spd="slow"/>
-    </mc:Fallback>
-  </mc:AlternateContent>
   <p:timing>
     <p:tnLst>
       <p:par>
